--- a/0 - POWER POINT/MYSLEEPY.pptx
+++ b/0 - POWER POINT/MYSLEEPY.pptx
@@ -121,7 +121,7 @@
   </p:defaultTextStyle>
   <p:extLst>
     <p:ext uri="{EFAFB233-063F-42B5-8137-9DF3F51BA10A}">
-      <p15:sldGuideLst xmlns:p15="http://schemas.microsoft.com/office/powerpoint/2012/main"/>
+      <p15:sldGuideLst xmlns:p15="http://schemas.microsoft.com/office/powerpoint/2012/main" xmlns=""/>
     </p:ext>
   </p:extLst>
 </p:presentation>
@@ -6451,8 +6451,38 @@
         </p:blipFill>
         <p:spPr>
           <a:xfrm>
-            <a:off x="1536166" y="755336"/>
-            <a:ext cx="9230572" cy="5969471"/>
+            <a:off x="544947" y="1497741"/>
+            <a:ext cx="5152459" cy="3308732"/>
+          </a:xfrm>
+          <a:prstGeom prst="rect">
+            <a:avLst/>
+          </a:prstGeom>
+        </p:spPr>
+      </p:pic>
+      <p:pic>
+        <p:nvPicPr>
+          <p:cNvPr id="3" name="2 Imagen"/>
+          <p:cNvPicPr>
+            <a:picLocks noChangeAspect="1"/>
+          </p:cNvPicPr>
+          <p:nvPr/>
+        </p:nvPicPr>
+        <p:blipFill>
+          <a:blip r:embed="rId3">
+            <a:extLst>
+              <a:ext uri="{28A0092B-C50C-407E-A947-70E740481C1C}">
+                <a14:useLocalDpi xmlns:a14="http://schemas.microsoft.com/office/drawing/2010/main" val="0"/>
+              </a:ext>
+            </a:extLst>
+          </a:blip>
+          <a:stretch>
+            <a:fillRect/>
+          </a:stretch>
+        </p:blipFill>
+        <p:spPr>
+          <a:xfrm>
+            <a:off x="6075185" y="1497741"/>
+            <a:ext cx="5108620" cy="3308732"/>
           </a:xfrm>
           <a:prstGeom prst="rect">
             <a:avLst/>
@@ -6547,6 +6577,36 @@
           </a:p>
         </p:txBody>
       </p:sp>
+      <p:pic>
+        <p:nvPicPr>
+          <p:cNvPr id="3" name="2 Imagen"/>
+          <p:cNvPicPr>
+            <a:picLocks noChangeAspect="1"/>
+          </p:cNvPicPr>
+          <p:nvPr/>
+        </p:nvPicPr>
+        <p:blipFill>
+          <a:blip r:embed="rId2">
+            <a:extLst>
+              <a:ext uri="{28A0092B-C50C-407E-A947-70E740481C1C}">
+                <a14:useLocalDpi xmlns:a14="http://schemas.microsoft.com/office/drawing/2010/main" val="0"/>
+              </a:ext>
+            </a:extLst>
+          </a:blip>
+          <a:stretch>
+            <a:fillRect/>
+          </a:stretch>
+        </p:blipFill>
+        <p:spPr>
+          <a:xfrm>
+            <a:off x="2438218" y="1104575"/>
+            <a:ext cx="6439799" cy="4648849"/>
+          </a:xfrm>
+          <a:prstGeom prst="rect">
+            <a:avLst/>
+          </a:prstGeom>
+        </p:spPr>
+      </p:pic>
     </p:spTree>
     <p:extLst>
       <p:ext uri="{BB962C8B-B14F-4D97-AF65-F5344CB8AC3E}">
@@ -6635,6 +6695,36 @@
           </a:p>
         </p:txBody>
       </p:sp>
+      <p:pic>
+        <p:nvPicPr>
+          <p:cNvPr id="3" name="2 Imagen"/>
+          <p:cNvPicPr>
+            <a:picLocks noChangeAspect="1"/>
+          </p:cNvPicPr>
+          <p:nvPr/>
+        </p:nvPicPr>
+        <p:blipFill>
+          <a:blip r:embed="rId2">
+            <a:extLst>
+              <a:ext uri="{28A0092B-C50C-407E-A947-70E740481C1C}">
+                <a14:useLocalDpi xmlns:a14="http://schemas.microsoft.com/office/drawing/2010/main" val="0"/>
+              </a:ext>
+            </a:extLst>
+          </a:blip>
+          <a:stretch>
+            <a:fillRect/>
+          </a:stretch>
+        </p:blipFill>
+        <p:spPr>
+          <a:xfrm>
+            <a:off x="3129565" y="1164332"/>
+            <a:ext cx="4767094" cy="4033695"/>
+          </a:xfrm>
+          <a:prstGeom prst="rect">
+            <a:avLst/>
+          </a:prstGeom>
+        </p:spPr>
+      </p:pic>
     </p:spTree>
     <p:extLst>
       <p:ext uri="{BB962C8B-B14F-4D97-AF65-F5344CB8AC3E}">
@@ -6723,6 +6813,36 @@
           </a:p>
         </p:txBody>
       </p:sp>
+      <p:pic>
+        <p:nvPicPr>
+          <p:cNvPr id="3" name="2 Imagen"/>
+          <p:cNvPicPr>
+            <a:picLocks noChangeAspect="1"/>
+          </p:cNvPicPr>
+          <p:nvPr/>
+        </p:nvPicPr>
+        <p:blipFill>
+          <a:blip r:embed="rId2">
+            <a:extLst>
+              <a:ext uri="{28A0092B-C50C-407E-A947-70E740481C1C}">
+                <a14:useLocalDpi xmlns:a14="http://schemas.microsoft.com/office/drawing/2010/main" val="0"/>
+              </a:ext>
+            </a:extLst>
+          </a:blip>
+          <a:stretch>
+            <a:fillRect/>
+          </a:stretch>
+        </p:blipFill>
+        <p:spPr>
+          <a:xfrm>
+            <a:off x="1901557" y="734807"/>
+            <a:ext cx="7577294" cy="5570336"/>
+          </a:xfrm>
+          <a:prstGeom prst="rect">
+            <a:avLst/>
+          </a:prstGeom>
+        </p:spPr>
+      </p:pic>
     </p:spTree>
     <p:extLst>
       <p:ext uri="{BB962C8B-B14F-4D97-AF65-F5344CB8AC3E}">
@@ -6762,38 +6882,255 @@
       </p:grpSpPr>
       <p:sp>
         <p:nvSpPr>
-          <p:cNvPr id="2" name="Título 1"/>
-          <p:cNvSpPr>
-            <a:spLocks noGrp="1"/>
-          </p:cNvSpPr>
-          <p:nvPr>
-            <p:ph type="ctrTitle"/>
-          </p:nvPr>
+          <p:cNvPr id="3" name="2 Rectángulo"/>
+          <p:cNvSpPr/>
+          <p:nvPr/>
         </p:nvSpPr>
         <p:spPr>
           <a:xfrm>
-            <a:off x="1485364" y="1972369"/>
-            <a:ext cx="9144000" cy="2387600"/>
+            <a:off x="1512463" y="1346571"/>
+            <a:ext cx="7776168" cy="1754326"/>
           </a:xfrm>
+          <a:prstGeom prst="rect">
+            <a:avLst/>
+          </a:prstGeom>
+          <a:noFill/>
         </p:spPr>
         <p:txBody>
-          <a:bodyPr anchor="ctr">
-            <a:normAutofit/>
-            <a:scene3d>
-              <a:camera prst="orthographicFront"/>
-              <a:lightRig rig="threePt" dir="t"/>
-            </a:scene3d>
-            <a:sp3d extrusionH="57150">
-              <a:bevelT w="50800" h="38100" prst="riblet"/>
-              <a:extrusionClr>
-                <a:schemeClr val="bg1"/>
-              </a:extrusionClr>
-            </a:sp3d>
+          <a:bodyPr wrap="none" lIns="91440" tIns="45720" rIns="91440" bIns="45720">
+            <a:spAutoFit/>
           </a:bodyPr>
           <a:lstStyle/>
           <a:p>
-            <a:r>
-              <a:rPr lang="es-ES" sz="7200" b="1" dirty="0" smtClean="0">
+            <a:pPr algn="ctr"/>
+            <a:r>
+              <a:rPr lang="es-ES" sz="5400" b="1" dirty="0" smtClean="0">
+                <a:ln w="31550" cmpd="sng">
+                  <a:gradFill>
+                    <a:gsLst>
+                      <a:gs pos="70000">
+                        <a:schemeClr val="accent6">
+                          <a:shade val="50000"/>
+                          <a:satMod val="190000"/>
+                        </a:schemeClr>
+                      </a:gs>
+                      <a:gs pos="0">
+                        <a:schemeClr val="accent6">
+                          <a:tint val="77000"/>
+                          <a:satMod val="180000"/>
+                        </a:schemeClr>
+                      </a:gs>
+                    </a:gsLst>
+                    <a:lin ang="5400000"/>
+                  </a:gradFill>
+                  <a:prstDash val="solid"/>
+                </a:ln>
+                <a:solidFill>
+                  <a:schemeClr val="accent6">
+                    <a:tint val="15000"/>
+                    <a:satMod val="200000"/>
+                  </a:schemeClr>
+                </a:solidFill>
+                <a:effectLst>
+                  <a:outerShdw blurRad="50800" dist="40000" dir="5400000" algn="tl" rotWithShape="0">
+                    <a:srgbClr val="000000">
+                      <a:shade val="5000"/>
+                      <a:satMod val="120000"/>
+                      <a:alpha val="33000"/>
+                    </a:srgbClr>
+                  </a:outerShdw>
+                </a:effectLst>
+              </a:rPr>
+              <a:t>«Tiendas </a:t>
+            </a:r>
+            <a:r>
+              <a:rPr lang="es-ES" sz="5400" b="1" dirty="0" err="1" smtClean="0">
+                <a:ln w="31550" cmpd="sng">
+                  <a:gradFill>
+                    <a:gsLst>
+                      <a:gs pos="70000">
+                        <a:schemeClr val="accent6">
+                          <a:shade val="50000"/>
+                          <a:satMod val="190000"/>
+                        </a:schemeClr>
+                      </a:gs>
+                      <a:gs pos="0">
+                        <a:schemeClr val="accent6">
+                          <a:tint val="77000"/>
+                          <a:satMod val="180000"/>
+                        </a:schemeClr>
+                      </a:gs>
+                    </a:gsLst>
+                    <a:lin ang="5400000"/>
+                  </a:gradFill>
+                  <a:prstDash val="solid"/>
+                </a:ln>
+                <a:solidFill>
+                  <a:schemeClr val="accent6">
+                    <a:tint val="15000"/>
+                    <a:satMod val="200000"/>
+                  </a:schemeClr>
+                </a:solidFill>
+                <a:effectLst>
+                  <a:outerShdw blurRad="50800" dist="40000" dir="5400000" algn="tl" rotWithShape="0">
+                    <a:srgbClr val="000000">
+                      <a:shade val="5000"/>
+                      <a:satMod val="120000"/>
+                      <a:alpha val="33000"/>
+                    </a:srgbClr>
+                  </a:outerShdw>
+                </a:effectLst>
+              </a:rPr>
+              <a:t>MySleepy</a:t>
+            </a:r>
+            <a:r>
+              <a:rPr lang="es-ES" sz="5400" b="1" dirty="0" smtClean="0">
+                <a:ln w="31550" cmpd="sng">
+                  <a:gradFill>
+                    <a:gsLst>
+                      <a:gs pos="70000">
+                        <a:schemeClr val="accent6">
+                          <a:shade val="50000"/>
+                          <a:satMod val="190000"/>
+                        </a:schemeClr>
+                      </a:gs>
+                      <a:gs pos="0">
+                        <a:schemeClr val="accent6">
+                          <a:tint val="77000"/>
+                          <a:satMod val="180000"/>
+                        </a:schemeClr>
+                      </a:gs>
+                    </a:gsLst>
+                    <a:lin ang="5400000"/>
+                  </a:gradFill>
+                  <a:prstDash val="solid"/>
+                </a:ln>
+                <a:solidFill>
+                  <a:schemeClr val="accent6">
+                    <a:tint val="15000"/>
+                    <a:satMod val="200000"/>
+                  </a:schemeClr>
+                </a:solidFill>
+                <a:effectLst>
+                  <a:outerShdw blurRad="50800" dist="40000" dir="5400000" algn="tl" rotWithShape="0">
+                    <a:srgbClr val="000000">
+                      <a:shade val="5000"/>
+                      <a:satMod val="120000"/>
+                      <a:alpha val="33000"/>
+                    </a:srgbClr>
+                  </a:outerShdw>
+                </a:effectLst>
+              </a:rPr>
+              <a:t>:</a:t>
+            </a:r>
+          </a:p>
+          <a:p>
+            <a:pPr algn="ctr"/>
+            <a:r>
+              <a:rPr lang="es-ES" sz="5400" b="1" cap="none" spc="0" dirty="0" smtClean="0">
+                <a:ln w="31550" cmpd="sng">
+                  <a:gradFill>
+                    <a:gsLst>
+                      <a:gs pos="70000">
+                        <a:schemeClr val="accent6">
+                          <a:shade val="50000"/>
+                          <a:satMod val="190000"/>
+                        </a:schemeClr>
+                      </a:gs>
+                      <a:gs pos="0">
+                        <a:schemeClr val="accent6">
+                          <a:tint val="77000"/>
+                          <a:satMod val="180000"/>
+                        </a:schemeClr>
+                      </a:gs>
+                    </a:gsLst>
+                    <a:lin ang="5400000"/>
+                  </a:gradFill>
+                  <a:prstDash val="solid"/>
+                </a:ln>
+                <a:solidFill>
+                  <a:schemeClr val="accent6">
+                    <a:tint val="15000"/>
+                    <a:satMod val="200000"/>
+                  </a:schemeClr>
+                </a:solidFill>
+                <a:effectLst>
+                  <a:outerShdw blurRad="50800" dist="40000" dir="5400000" algn="tl" rotWithShape="0">
+                    <a:srgbClr val="000000">
+                      <a:shade val="5000"/>
+                      <a:satMod val="120000"/>
+                      <a:alpha val="33000"/>
+                    </a:srgbClr>
+                  </a:outerShdw>
+                </a:effectLst>
+              </a:rPr>
+              <a:t>Todo para su descanso»</a:t>
+            </a:r>
+            <a:endParaRPr lang="es-ES" sz="5400" b="1" cap="none" spc="0" dirty="0">
+              <a:ln w="31550" cmpd="sng">
+                <a:gradFill>
+                  <a:gsLst>
+                    <a:gs pos="70000">
+                      <a:schemeClr val="accent6">
+                        <a:shade val="50000"/>
+                        <a:satMod val="190000"/>
+                      </a:schemeClr>
+                    </a:gs>
+                    <a:gs pos="0">
+                      <a:schemeClr val="accent6">
+                        <a:tint val="77000"/>
+                        <a:satMod val="180000"/>
+                      </a:schemeClr>
+                    </a:gs>
+                  </a:gsLst>
+                  <a:lin ang="5400000"/>
+                </a:gradFill>
+                <a:prstDash val="solid"/>
+              </a:ln>
+              <a:solidFill>
+                <a:schemeClr val="accent6">
+                  <a:tint val="15000"/>
+                  <a:satMod val="200000"/>
+                </a:schemeClr>
+              </a:solidFill>
+              <a:effectLst>
+                <a:outerShdw blurRad="50800" dist="40000" dir="5400000" algn="tl" rotWithShape="0">
+                  <a:srgbClr val="000000">
+                    <a:shade val="5000"/>
+                    <a:satMod val="120000"/>
+                    <a:alpha val="33000"/>
+                  </a:srgbClr>
+                </a:outerShdw>
+              </a:effectLst>
+            </a:endParaRPr>
+          </a:p>
+        </p:txBody>
+      </p:sp>
+      <p:sp>
+        <p:nvSpPr>
+          <p:cNvPr id="4" name="3 Rectángulo"/>
+          <p:cNvSpPr/>
+          <p:nvPr/>
+        </p:nvSpPr>
+        <p:spPr>
+          <a:xfrm>
+            <a:off x="4752774" y="3940935"/>
+            <a:ext cx="1295546" cy="923330"/>
+          </a:xfrm>
+          <a:prstGeom prst="rect">
+            <a:avLst/>
+          </a:prstGeom>
+          <a:noFill/>
+        </p:spPr>
+        <p:txBody>
+          <a:bodyPr wrap="none" lIns="91440" tIns="45720" rIns="91440" bIns="45720">
+            <a:spAutoFit/>
+          </a:bodyPr>
+          <a:lstStyle/>
+          <a:p>
+            <a:pPr algn="ctr"/>
+            <a:r>
+              <a:rPr lang="es-ES" sz="5400" b="1" dirty="0">
                 <a:ln>
                   <a:solidFill>
                     <a:srgbClr val="FF0000">
@@ -6817,27 +7154,42 @@
               </a:rPr>
               <a:t>FIN</a:t>
             </a:r>
-            <a:endParaRPr lang="es-ES" sz="7200" b="1" dirty="0">
-              <a:ln>
-                <a:solidFill>
-                  <a:srgbClr val="FF0000">
-                    <a:alpha val="96000"/>
-                  </a:srgbClr>
-                </a:solidFill>
+            <a:endParaRPr lang="es-ES" sz="5400" b="1" cap="none" spc="0" dirty="0">
+              <a:ln w="31550" cmpd="sng">
+                <a:gradFill>
+                  <a:gsLst>
+                    <a:gs pos="70000">
+                      <a:schemeClr val="accent6">
+                        <a:shade val="50000"/>
+                        <a:satMod val="190000"/>
+                      </a:schemeClr>
+                    </a:gs>
+                    <a:gs pos="0">
+                      <a:schemeClr val="accent6">
+                        <a:tint val="77000"/>
+                        <a:satMod val="180000"/>
+                      </a:schemeClr>
+                    </a:gs>
+                  </a:gsLst>
+                  <a:lin ang="5400000"/>
+                </a:gradFill>
+                <a:prstDash val="solid"/>
               </a:ln>
               <a:solidFill>
-                <a:schemeClr val="bg1"/>
+                <a:schemeClr val="accent6">
+                  <a:tint val="15000"/>
+                  <a:satMod val="200000"/>
+                </a:schemeClr>
               </a:solidFill>
               <a:effectLst>
-                <a:outerShdw blurRad="50800" dist="38100" dir="5400000" algn="t" rotWithShape="0">
-                  <a:prstClr val="black">
-                    <a:alpha val="40000"/>
-                  </a:prstClr>
+                <a:outerShdw blurRad="50800" dist="40000" dir="5400000" algn="tl" rotWithShape="0">
+                  <a:srgbClr val="000000">
+                    <a:shade val="5000"/>
+                    <a:satMod val="120000"/>
+                    <a:alpha val="33000"/>
+                  </a:srgbClr>
                 </a:outerShdw>
               </a:effectLst>
-              <a:latin typeface="Aharoni" panose="02010803020104030203" pitchFamily="2" charset="-79"/>
-              <a:ea typeface="Microsoft Himalaya" panose="01010100010101010101" pitchFamily="2" charset="0"/>
-              <a:cs typeface="Aharoni" panose="02010803020104030203" pitchFamily="2" charset="-79"/>
             </a:endParaRPr>
           </a:p>
         </p:txBody>
@@ -6855,9 +7207,136 @@
   <p:timing>
     <p:tnLst>
       <p:par>
-        <p:cTn id="1" dur="indefinite" restart="never" nodeType="tmRoot"/>
+        <p:cTn id="1" dur="indefinite" restart="never" nodeType="tmRoot">
+          <p:childTnLst>
+            <p:seq concurrent="1" nextAc="seek">
+              <p:cTn id="2" dur="indefinite" nodeType="mainSeq">
+                <p:childTnLst>
+                  <p:par>
+                    <p:cTn id="3" fill="hold">
+                      <p:stCondLst>
+                        <p:cond delay="indefinite"/>
+                        <p:cond evt="onBegin" delay="0">
+                          <p:tn val="2"/>
+                        </p:cond>
+                      </p:stCondLst>
+                      <p:childTnLst>
+                        <p:par>
+                          <p:cTn id="4" fill="hold">
+                            <p:stCondLst>
+                              <p:cond delay="0"/>
+                            </p:stCondLst>
+                            <p:childTnLst>
+                              <p:par>
+                                <p:cTn id="5" presetID="6" presetClass="entr" presetSubtype="16" fill="hold" grpId="0" nodeType="afterEffect">
+                                  <p:stCondLst>
+                                    <p:cond delay="250"/>
+                                  </p:stCondLst>
+                                  <p:childTnLst>
+                                    <p:set>
+                                      <p:cBhvr>
+                                        <p:cTn id="6" dur="1" fill="hold">
+                                          <p:stCondLst>
+                                            <p:cond delay="0"/>
+                                          </p:stCondLst>
+                                        </p:cTn>
+                                        <p:tgtEl>
+                                          <p:spTgt spid="3"/>
+                                        </p:tgtEl>
+                                        <p:attrNameLst>
+                                          <p:attrName>style.visibility</p:attrName>
+                                        </p:attrNameLst>
+                                      </p:cBhvr>
+                                      <p:to>
+                                        <p:strVal val="visible"/>
+                                      </p:to>
+                                    </p:set>
+                                    <p:animEffect transition="in" filter="circle(in)">
+                                      <p:cBhvr>
+                                        <p:cTn id="7" dur="2500"/>
+                                        <p:tgtEl>
+                                          <p:spTgt spid="3"/>
+                                        </p:tgtEl>
+                                      </p:cBhvr>
+                                    </p:animEffect>
+                                  </p:childTnLst>
+                                </p:cTn>
+                              </p:par>
+                            </p:childTnLst>
+                          </p:cTn>
+                        </p:par>
+                        <p:par>
+                          <p:cTn id="8" fill="hold">
+                            <p:stCondLst>
+                              <p:cond delay="2750"/>
+                            </p:stCondLst>
+                            <p:childTnLst>
+                              <p:par>
+                                <p:cTn id="9" presetID="10" presetClass="entr" presetSubtype="0" fill="hold" grpId="0" nodeType="afterEffect">
+                                  <p:stCondLst>
+                                    <p:cond delay="750"/>
+                                  </p:stCondLst>
+                                  <p:childTnLst>
+                                    <p:set>
+                                      <p:cBhvr>
+                                        <p:cTn id="10" dur="1" fill="hold">
+                                          <p:stCondLst>
+                                            <p:cond delay="0"/>
+                                          </p:stCondLst>
+                                        </p:cTn>
+                                        <p:tgtEl>
+                                          <p:spTgt spid="4"/>
+                                        </p:tgtEl>
+                                        <p:attrNameLst>
+                                          <p:attrName>style.visibility</p:attrName>
+                                        </p:attrNameLst>
+                                      </p:cBhvr>
+                                      <p:to>
+                                        <p:strVal val="visible"/>
+                                      </p:to>
+                                    </p:set>
+                                    <p:animEffect transition="in" filter="fade">
+                                      <p:cBhvr>
+                                        <p:cTn id="11" dur="2000"/>
+                                        <p:tgtEl>
+                                          <p:spTgt spid="4"/>
+                                        </p:tgtEl>
+                                      </p:cBhvr>
+                                    </p:animEffect>
+                                  </p:childTnLst>
+                                </p:cTn>
+                              </p:par>
+                            </p:childTnLst>
+                          </p:cTn>
+                        </p:par>
+                      </p:childTnLst>
+                    </p:cTn>
+                  </p:par>
+                </p:childTnLst>
+              </p:cTn>
+              <p:prevCondLst>
+                <p:cond evt="onPrev" delay="0">
+                  <p:tgtEl>
+                    <p:sldTgt/>
+                  </p:tgtEl>
+                </p:cond>
+              </p:prevCondLst>
+              <p:nextCondLst>
+                <p:cond evt="onNext" delay="0">
+                  <p:tgtEl>
+                    <p:sldTgt/>
+                  </p:tgtEl>
+                </p:cond>
+              </p:nextCondLst>
+            </p:seq>
+          </p:childTnLst>
+        </p:cTn>
       </p:par>
     </p:tnLst>
+    <p:bldLst>
+      <p:bldP spid="3" grpId="0"/>
+      <p:bldP spid="4" grpId="0"/>
+    </p:bldLst>
   </p:timing>
 </p:sld>
 </file>
@@ -7239,27 +7718,6 @@
               </a:rPr>
               <a:t>Artículos</a:t>
             </a:r>
-            <a:endParaRPr lang="es-ES" sz="4000" b="1" spc="300" dirty="0" smtClean="0">
-              <a:ln w="10160">
-                <a:solidFill>
-                  <a:schemeClr val="accent5"/>
-                </a:solidFill>
-                <a:prstDash val="solid"/>
-              </a:ln>
-              <a:solidFill>
-                <a:srgbClr val="FFFFFF"/>
-              </a:solidFill>
-              <a:effectLst>
-                <a:outerShdw blurRad="38100" dist="22860" dir="5400000" algn="tl" rotWithShape="0">
-                  <a:srgbClr val="000000">
-                    <a:alpha val="30000"/>
-                  </a:srgbClr>
-                </a:outerShdw>
-              </a:effectLst>
-              <a:latin typeface="Microsoft Himalaya" panose="01010100010101010101" pitchFamily="2" charset="0"/>
-              <a:ea typeface="Microsoft Himalaya" panose="01010100010101010101" pitchFamily="2" charset="0"/>
-              <a:cs typeface="Microsoft Himalaya" panose="01010100010101010101" pitchFamily="2" charset="0"/>
-            </a:endParaRPr>
           </a:p>
           <a:p>
             <a:r>
@@ -7310,27 +7768,6 @@
               </a:rPr>
               <a:t>Pedidos</a:t>
             </a:r>
-            <a:endParaRPr lang="es-ES" sz="4000" b="1" spc="300" dirty="0" smtClean="0">
-              <a:ln w="10160">
-                <a:solidFill>
-                  <a:schemeClr val="accent5"/>
-                </a:solidFill>
-                <a:prstDash val="solid"/>
-              </a:ln>
-              <a:solidFill>
-                <a:srgbClr val="FFFFFF"/>
-              </a:solidFill>
-              <a:effectLst>
-                <a:outerShdw blurRad="38100" dist="22860" dir="5400000" algn="tl" rotWithShape="0">
-                  <a:srgbClr val="000000">
-                    <a:alpha val="30000"/>
-                  </a:srgbClr>
-                </a:outerShdw>
-              </a:effectLst>
-              <a:latin typeface="Microsoft Himalaya" panose="01010100010101010101" pitchFamily="2" charset="0"/>
-              <a:ea typeface="Microsoft Himalaya" panose="01010100010101010101" pitchFamily="2" charset="0"/>
-              <a:cs typeface="Microsoft Himalaya" panose="01010100010101010101" pitchFamily="2" charset="0"/>
-            </a:endParaRPr>
           </a:p>
           <a:p>
             <a:r>
@@ -7357,27 +7794,6 @@
               </a:rPr>
               <a:t> Proveedores</a:t>
             </a:r>
-            <a:endParaRPr lang="es-ES" sz="4000" b="1" spc="300" dirty="0" smtClean="0">
-              <a:ln w="10160">
-                <a:solidFill>
-                  <a:schemeClr val="accent5"/>
-                </a:solidFill>
-                <a:prstDash val="solid"/>
-              </a:ln>
-              <a:solidFill>
-                <a:srgbClr val="FFFFFF"/>
-              </a:solidFill>
-              <a:effectLst>
-                <a:outerShdw blurRad="38100" dist="22860" dir="5400000" algn="tl" rotWithShape="0">
-                  <a:srgbClr val="000000">
-                    <a:alpha val="30000"/>
-                  </a:srgbClr>
-                </a:outerShdw>
-              </a:effectLst>
-              <a:latin typeface="Microsoft Himalaya" panose="01010100010101010101" pitchFamily="2" charset="0"/>
-              <a:ea typeface="Microsoft Himalaya" panose="01010100010101010101" pitchFamily="2" charset="0"/>
-              <a:cs typeface="Microsoft Himalaya" panose="01010100010101010101" pitchFamily="2" charset="0"/>
-            </a:endParaRPr>
           </a:p>
           <a:p>
             <a:r>
@@ -7428,27 +7844,6 @@
               </a:rPr>
               <a:t>Clientes</a:t>
             </a:r>
-            <a:endParaRPr lang="es-ES" sz="4000" b="1" spc="300" dirty="0" smtClean="0">
-              <a:ln w="10160">
-                <a:solidFill>
-                  <a:schemeClr val="accent5"/>
-                </a:solidFill>
-                <a:prstDash val="solid"/>
-              </a:ln>
-              <a:solidFill>
-                <a:srgbClr val="FFFFFF"/>
-              </a:solidFill>
-              <a:effectLst>
-                <a:outerShdw blurRad="38100" dist="22860" dir="5400000" algn="tl" rotWithShape="0">
-                  <a:srgbClr val="000000">
-                    <a:alpha val="30000"/>
-                  </a:srgbClr>
-                </a:outerShdw>
-              </a:effectLst>
-              <a:latin typeface="Microsoft Himalaya" panose="01010100010101010101" pitchFamily="2" charset="0"/>
-              <a:ea typeface="Microsoft Himalaya" panose="01010100010101010101" pitchFamily="2" charset="0"/>
-              <a:cs typeface="Microsoft Himalaya" panose="01010100010101010101" pitchFamily="2" charset="0"/>
-            </a:endParaRPr>
           </a:p>
           <a:p>
             <a:r>
@@ -7475,27 +7870,6 @@
               </a:rPr>
               <a:t> Usuarios</a:t>
             </a:r>
-            <a:endParaRPr lang="es-ES" sz="4000" b="1" spc="300" dirty="0" smtClean="0">
-              <a:ln w="10160">
-                <a:solidFill>
-                  <a:schemeClr val="accent5"/>
-                </a:solidFill>
-                <a:prstDash val="solid"/>
-              </a:ln>
-              <a:solidFill>
-                <a:srgbClr val="FFFFFF"/>
-              </a:solidFill>
-              <a:effectLst>
-                <a:outerShdw blurRad="38100" dist="22860" dir="5400000" algn="tl" rotWithShape="0">
-                  <a:srgbClr val="000000">
-                    <a:alpha val="30000"/>
-                  </a:srgbClr>
-                </a:outerShdw>
-              </a:effectLst>
-              <a:latin typeface="Microsoft Himalaya" panose="01010100010101010101" pitchFamily="2" charset="0"/>
-              <a:ea typeface="Microsoft Himalaya" panose="01010100010101010101" pitchFamily="2" charset="0"/>
-              <a:cs typeface="Microsoft Himalaya" panose="01010100010101010101" pitchFamily="2" charset="0"/>
-            </a:endParaRPr>
           </a:p>
           <a:p>
             <a:r>
@@ -7546,27 +7920,6 @@
               </a:rPr>
               <a:t>Historial</a:t>
             </a:r>
-            <a:endParaRPr lang="es-ES" sz="4000" b="1" spc="300" dirty="0" smtClean="0">
-              <a:ln w="10160">
-                <a:solidFill>
-                  <a:schemeClr val="accent5"/>
-                </a:solidFill>
-                <a:prstDash val="solid"/>
-              </a:ln>
-              <a:solidFill>
-                <a:srgbClr val="FFFFFF"/>
-              </a:solidFill>
-              <a:effectLst>
-                <a:outerShdw blurRad="38100" dist="22860" dir="5400000" algn="tl" rotWithShape="0">
-                  <a:srgbClr val="000000">
-                    <a:alpha val="30000"/>
-                  </a:srgbClr>
-                </a:outerShdw>
-              </a:effectLst>
-              <a:latin typeface="Microsoft Himalaya" panose="01010100010101010101" pitchFamily="2" charset="0"/>
-              <a:ea typeface="Microsoft Himalaya" panose="01010100010101010101" pitchFamily="2" charset="0"/>
-              <a:cs typeface="Microsoft Himalaya" panose="01010100010101010101" pitchFamily="2" charset="0"/>
-            </a:endParaRPr>
           </a:p>
           <a:p>
             <a:endParaRPr lang="es-ES" sz="4000" b="1" spc="300" dirty="0" smtClean="0">
@@ -7906,31 +8259,7 @@
                 <a:ea typeface="Microsoft Himalaya" panose="01010100010101010101" pitchFamily="2" charset="0"/>
                 <a:cs typeface="Microsoft Himalaya" panose="01010100010101010101" pitchFamily="2" charset="0"/>
               </a:rPr>
-              <a:t>Nuestro proyecto se ha diseñado </a:t>
-            </a:r>
-            <a:r>
-              <a:rPr lang="es-ES" sz="4000" b="1" spc="300" dirty="0" smtClean="0">
-                <a:ln w="10160">
-                  <a:solidFill>
-                    <a:schemeClr val="accent5"/>
-                  </a:solidFill>
-                  <a:prstDash val="solid"/>
-                </a:ln>
-                <a:solidFill>
-                  <a:srgbClr val="FFFFFF"/>
-                </a:solidFill>
-                <a:effectLst>
-                  <a:outerShdw blurRad="38100" dist="22860" dir="5400000" algn="tl" rotWithShape="0">
-                    <a:srgbClr val="000000">
-                      <a:alpha val="30000"/>
-                    </a:srgbClr>
-                  </a:outerShdw>
-                </a:effectLst>
-                <a:latin typeface="Microsoft Himalaya" panose="01010100010101010101" pitchFamily="2" charset="0"/>
-                <a:ea typeface="Microsoft Himalaya" panose="01010100010101010101" pitchFamily="2" charset="0"/>
-                <a:cs typeface="Microsoft Himalaya" panose="01010100010101010101" pitchFamily="2" charset="0"/>
-              </a:rPr>
-              <a:t>bajo el ejercicio </a:t>
+              <a:t>Nuestro proyecto se ha diseñado bajo el ejercicio </a:t>
             </a:r>
             <a:r>
               <a:rPr lang="es-ES" sz="4000" b="1" spc="300" dirty="0" err="1" smtClean="0">
@@ -8054,27 +8383,6 @@
               </a:rPr>
               <a:t>Es un sistema que controla todas los pedidos realizados en una tienda, un control de artículos, proveedores, y como no puede faltar mas un control de usuarios que se conectan a la aplicación para limitar las funciones que realizan </a:t>
             </a:r>
-            <a:endParaRPr lang="es-ES" sz="4000" b="1" spc="300" dirty="0" smtClean="0">
-              <a:ln w="10160">
-                <a:solidFill>
-                  <a:schemeClr val="accent5"/>
-                </a:solidFill>
-                <a:prstDash val="solid"/>
-              </a:ln>
-              <a:solidFill>
-                <a:srgbClr val="FFFFFF"/>
-              </a:solidFill>
-              <a:effectLst>
-                <a:outerShdw blurRad="38100" dist="22860" dir="5400000" algn="tl" rotWithShape="0">
-                  <a:srgbClr val="000000">
-                    <a:alpha val="30000"/>
-                  </a:srgbClr>
-                </a:outerShdw>
-              </a:effectLst>
-              <a:latin typeface="Microsoft Himalaya" panose="01010100010101010101" pitchFamily="2" charset="0"/>
-              <a:ea typeface="Microsoft Himalaya" panose="01010100010101010101" pitchFamily="2" charset="0"/>
-              <a:cs typeface="Microsoft Himalaya" panose="01010100010101010101" pitchFamily="2" charset="0"/>
-            </a:endParaRPr>
           </a:p>
         </p:txBody>
       </p:sp>
@@ -8166,6 +8474,36 @@
           </a:p>
         </p:txBody>
       </p:sp>
+      <p:pic>
+        <p:nvPicPr>
+          <p:cNvPr id="3" name="2 Imagen"/>
+          <p:cNvPicPr>
+            <a:picLocks noChangeAspect="1"/>
+          </p:cNvPicPr>
+          <p:nvPr/>
+        </p:nvPicPr>
+        <p:blipFill>
+          <a:blip r:embed="rId2">
+            <a:extLst>
+              <a:ext uri="{28A0092B-C50C-407E-A947-70E740481C1C}">
+                <a14:useLocalDpi xmlns:a14="http://schemas.microsoft.com/office/drawing/2010/main" val="0"/>
+              </a:ext>
+            </a:extLst>
+          </a:blip>
+          <a:stretch>
+            <a:fillRect/>
+          </a:stretch>
+        </p:blipFill>
+        <p:spPr>
+          <a:xfrm>
+            <a:off x="3296120" y="933100"/>
+            <a:ext cx="4801270" cy="4991797"/>
+          </a:xfrm>
+          <a:prstGeom prst="rect">
+            <a:avLst/>
+          </a:prstGeom>
+        </p:spPr>
+      </p:pic>
     </p:spTree>
     <p:extLst>
       <p:ext uri="{BB962C8B-B14F-4D97-AF65-F5344CB8AC3E}">
@@ -8254,6 +8592,36 @@
           </a:p>
         </p:txBody>
       </p:sp>
+      <p:pic>
+        <p:nvPicPr>
+          <p:cNvPr id="4" name="3 Imagen"/>
+          <p:cNvPicPr>
+            <a:picLocks noChangeAspect="1"/>
+          </p:cNvPicPr>
+          <p:nvPr/>
+        </p:nvPicPr>
+        <p:blipFill>
+          <a:blip r:embed="rId2">
+            <a:extLst>
+              <a:ext uri="{28A0092B-C50C-407E-A947-70E740481C1C}">
+                <a14:useLocalDpi xmlns:a14="http://schemas.microsoft.com/office/drawing/2010/main" val="0"/>
+              </a:ext>
+            </a:extLst>
+          </a:blip>
+          <a:stretch>
+            <a:fillRect/>
+          </a:stretch>
+        </p:blipFill>
+        <p:spPr>
+          <a:xfrm>
+            <a:off x="721217" y="761527"/>
+            <a:ext cx="10058400" cy="5655088"/>
+          </a:xfrm>
+          <a:prstGeom prst="rect">
+            <a:avLst/>
+          </a:prstGeom>
+        </p:spPr>
+      </p:pic>
     </p:spTree>
     <p:extLst>
       <p:ext uri="{BB962C8B-B14F-4D97-AF65-F5344CB8AC3E}">
@@ -8344,7 +8712,7 @@
       </p:sp>
       <p:pic>
         <p:nvPicPr>
-          <p:cNvPr id="4" name="Imagen 3"/>
+          <p:cNvPr id="3" name="2 Imagen"/>
           <p:cNvPicPr>
             <a:picLocks noChangeAspect="1"/>
           </p:cNvPicPr>
@@ -8364,8 +8732,8 @@
         </p:blipFill>
         <p:spPr>
           <a:xfrm>
-            <a:off x="803321" y="940158"/>
-            <a:ext cx="10306853" cy="5492964"/>
+            <a:off x="1735560" y="875942"/>
+            <a:ext cx="7716327" cy="5106113"/>
           </a:xfrm>
           <a:prstGeom prst="rect">
             <a:avLst/>
@@ -8462,7 +8830,7 @@
       </p:sp>
       <p:pic>
         <p:nvPicPr>
-          <p:cNvPr id="3" name="Imagen 2"/>
+          <p:cNvPr id="4" name="3 Imagen"/>
           <p:cNvPicPr>
             <a:picLocks noChangeAspect="1"/>
           </p:cNvPicPr>
@@ -8482,8 +8850,8 @@
         </p:blipFill>
         <p:spPr>
           <a:xfrm>
-            <a:off x="603912" y="978794"/>
-            <a:ext cx="10016865" cy="5338417"/>
+            <a:off x="2105327" y="822320"/>
+            <a:ext cx="7182853" cy="5496693"/>
           </a:xfrm>
           <a:prstGeom prst="rect">
             <a:avLst/>
@@ -8890,7 +9258,7 @@
     </a:clrScheme>
     <a:fontScheme name="Faceta">
       <a:majorFont>
-        <a:latin typeface="Trebuchet MS" panose="020B0603020202020204"/>
+        <a:latin typeface="Trebuchet MS"/>
         <a:ea typeface=""/>
         <a:cs typeface=""/>
         <a:font script="Jpan" typeface="メイリオ"/>
@@ -8925,7 +9293,7 @@
         <a:font script="Geor" typeface="Sylfaen"/>
       </a:majorFont>
       <a:minorFont>
-        <a:latin typeface="Trebuchet MS" panose="020B0603020202020204"/>
+        <a:latin typeface="Trebuchet MS"/>
         <a:ea typeface=""/>
         <a:cs typeface=""/>
         <a:font script="Jpan" typeface="メイリオ"/>
@@ -9098,7 +9466,7 @@
   <a:extraClrSchemeLst/>
   <a:extLst>
     <a:ext uri="{05A4C25C-085E-4340-85A3-A5531E510DB2}">
-      <thm15:themeFamily xmlns:thm15="http://schemas.microsoft.com/office/thememl/2012/main" name="Facet" id="{C0C680CD-088A-49FC-A102-D699147F32B2}" vid="{CFBC31BA-B70F-4F30-BCAA-4F3011E16C4D}"/>
+      <thm15:themeFamily xmlns:thm15="http://schemas.microsoft.com/office/thememl/2012/main" xmlns="" name="Facet" id="{C0C680CD-088A-49FC-A102-D699147F32B2}" vid="{CFBC31BA-B70F-4F30-BCAA-4F3011E16C4D}"/>
     </a:ext>
   </a:extLst>
 </a:theme>
